--- a/results/figures/pptx/impact_personal_relations.pptx
+++ b/results/figures/pptx/impact_personal_relations.pptx
@@ -2271,21 +2271,21 @@
           </p:nvSpPr>
           <p:spPr>
             <a:xfrm>
-              <a:off x="1084970" y="5078758"/>
-              <a:ext cx="7500608" cy="0"/>
+              <a:off x="1006499" y="6088827"/>
+              <a:ext cx="7591732" cy="0"/>
             </a:xfrm>
             <a:custGeom>
               <a:avLst/>
               <a:pathLst>
-                <a:path w="7500608" h="0">
+                <a:path w="7591732" h="0">
                   <a:moveTo>
                     <a:pt x="0" y="0"/>
                   </a:moveTo>
                   <a:lnTo>
-                    <a:pt x="7500608" y="0"/>
+                    <a:pt x="7591732" y="0"/>
                   </a:lnTo>
                   <a:lnTo>
-                    <a:pt x="7500608" y="0"/>
+                    <a:pt x="7591732" y="0"/>
                   </a:lnTo>
                 </a:path>
               </a:pathLst>
@@ -2314,21 +2314,21 @@
           </p:nvSpPr>
           <p:spPr>
             <a:xfrm>
-              <a:off x="1084970" y="4094661"/>
-              <a:ext cx="7500608" cy="0"/>
+              <a:off x="1006499" y="5036889"/>
+              <a:ext cx="7591732" cy="0"/>
             </a:xfrm>
             <a:custGeom>
               <a:avLst/>
               <a:pathLst>
-                <a:path w="7500608" h="0">
+                <a:path w="7591732" h="0">
                   <a:moveTo>
                     <a:pt x="0" y="0"/>
                   </a:moveTo>
                   <a:lnTo>
-                    <a:pt x="7500608" y="0"/>
+                    <a:pt x="7591732" y="0"/>
                   </a:lnTo>
                   <a:lnTo>
-                    <a:pt x="7500608" y="0"/>
+                    <a:pt x="7591732" y="0"/>
                   </a:lnTo>
                 </a:path>
               </a:pathLst>
@@ -2357,21 +2357,21 @@
           </p:nvSpPr>
           <p:spPr>
             <a:xfrm>
-              <a:off x="1084970" y="3110564"/>
-              <a:ext cx="7500608" cy="0"/>
+              <a:off x="1006499" y="3984952"/>
+              <a:ext cx="7591732" cy="0"/>
             </a:xfrm>
             <a:custGeom>
               <a:avLst/>
               <a:pathLst>
-                <a:path w="7500608" h="0">
+                <a:path w="7591732" h="0">
                   <a:moveTo>
                     <a:pt x="0" y="0"/>
                   </a:moveTo>
                   <a:lnTo>
-                    <a:pt x="7500608" y="0"/>
+                    <a:pt x="7591732" y="0"/>
                   </a:lnTo>
                   <a:lnTo>
-                    <a:pt x="7500608" y="0"/>
+                    <a:pt x="7591732" y="0"/>
                   </a:lnTo>
                 </a:path>
               </a:pathLst>
@@ -2400,21 +2400,21 @@
           </p:nvSpPr>
           <p:spPr>
             <a:xfrm>
-              <a:off x="1084970" y="2126467"/>
-              <a:ext cx="7500608" cy="0"/>
+              <a:off x="1006499" y="2933014"/>
+              <a:ext cx="7591732" cy="0"/>
             </a:xfrm>
             <a:custGeom>
               <a:avLst/>
               <a:pathLst>
-                <a:path w="7500608" h="0">
+                <a:path w="7591732" h="0">
                   <a:moveTo>
                     <a:pt x="0" y="0"/>
                   </a:moveTo>
                   <a:lnTo>
-                    <a:pt x="7500608" y="0"/>
+                    <a:pt x="7591732" y="0"/>
                   </a:lnTo>
                   <a:lnTo>
-                    <a:pt x="7500608" y="0"/>
+                    <a:pt x="7591732" y="0"/>
                   </a:lnTo>
                 </a:path>
               </a:pathLst>
@@ -2437,14 +2437,83 @@
         </p:sp>
         <p:sp>
           <p:nvSpPr>
-            <p:cNvPr id="8" name="rc8"/>
-            <p:cNvSpPr/>
-            <p:nvPr/>
-          </p:nvSpPr>
-          <p:spPr>
-            <a:xfrm>
-              <a:off x="1266437" y="4242275"/>
-              <a:ext cx="1088798" cy="836482"/>
+            <p:cNvPr id="8" name="pl8"/>
+            <p:cNvSpPr/>
+            <p:nvPr/>
+          </p:nvSpPr>
+          <p:spPr>
+            <a:xfrm>
+              <a:off x="1006499" y="1881077"/>
+              <a:ext cx="7591732" cy="0"/>
+            </a:xfrm>
+            <a:custGeom>
+              <a:avLst/>
+              <a:pathLst>
+                <a:path w="7591732" h="0">
+                  <a:moveTo>
+                    <a:pt x="0" y="0"/>
+                  </a:moveTo>
+                  <a:lnTo>
+                    <a:pt x="7591732" y="0"/>
+                  </a:lnTo>
+                  <a:lnTo>
+                    <a:pt x="7591732" y="0"/>
+                  </a:lnTo>
+                </a:path>
+              </a:pathLst>
+            </a:custGeom>
+            <a:ln w="2710" cap="flat">
+              <a:solidFill>
+                <a:srgbClr val="CCCCCC">
+                  <a:alpha val="100000"/>
+                </a:srgbClr>
+              </a:solidFill>
+              <a:prstDash val="solid"/>
+              <a:round/>
+            </a:ln>
+          </p:spPr>
+          <p:txBody>
+            <a:bodyPr/>
+            <a:lstStyle/>
+            <a:p/>
+          </p:txBody>
+        </p:sp>
+        <p:sp>
+          <p:nvSpPr>
+            <p:cNvPr id="9" name="rc9"/>
+            <p:cNvSpPr/>
+            <p:nvPr/>
+          </p:nvSpPr>
+          <p:spPr>
+            <a:xfrm>
+              <a:off x="1190170" y="5944726"/>
+              <a:ext cx="1102025" cy="144101"/>
+            </a:xfrm>
+            <a:prstGeom prst="rect">
+              <a:avLst/>
+            </a:prstGeom>
+            <a:solidFill>
+              <a:srgbClr val="B0BEC5">
+                <a:alpha val="100000"/>
+              </a:srgbClr>
+            </a:solidFill>
+          </p:spPr>
+          <p:txBody>
+            <a:bodyPr/>
+            <a:lstStyle/>
+            <a:p/>
+          </p:txBody>
+        </p:sp>
+        <p:sp>
+          <p:nvSpPr>
+            <p:cNvPr id="10" name="rc10"/>
+            <p:cNvSpPr/>
+            <p:nvPr/>
+          </p:nvSpPr>
+          <p:spPr>
+            <a:xfrm>
+              <a:off x="2414643" y="4863968"/>
+              <a:ext cx="1102025" cy="1224858"/>
             </a:xfrm>
             <a:prstGeom prst="rect">
               <a:avLst/>
@@ -2463,20 +2532,20 @@
         </p:sp>
         <p:sp>
           <p:nvSpPr>
-            <p:cNvPr id="9" name="rc9"/>
-            <p:cNvSpPr/>
-            <p:nvPr/>
-          </p:nvSpPr>
-          <p:spPr>
-            <a:xfrm>
-              <a:off x="2476212" y="4094661"/>
-              <a:ext cx="1088798" cy="984096"/>
+            <p:cNvPr id="11" name="rc11"/>
+            <p:cNvSpPr/>
+            <p:nvPr/>
+          </p:nvSpPr>
+          <p:spPr>
+            <a:xfrm>
+              <a:off x="3639116" y="4647816"/>
+              <a:ext cx="1102025" cy="1441010"/>
             </a:xfrm>
             <a:prstGeom prst="rect">
               <a:avLst/>
             </a:prstGeom>
             <a:solidFill>
-              <a:srgbClr val="43AA70">
+              <a:srgbClr val="8BC34A">
                 <a:alpha val="100000"/>
               </a:srgbClr>
             </a:solidFill>
@@ -2489,20 +2558,20 @@
         </p:sp>
         <p:sp>
           <p:nvSpPr>
-            <p:cNvPr id="10" name="rc10"/>
-            <p:cNvSpPr/>
-            <p:nvPr/>
-          </p:nvSpPr>
-          <p:spPr>
-            <a:xfrm>
-              <a:off x="3685988" y="3356588"/>
-              <a:ext cx="1088798" cy="1722169"/>
+            <p:cNvPr id="12" name="rc12"/>
+            <p:cNvSpPr/>
+            <p:nvPr/>
+          </p:nvSpPr>
+          <p:spPr>
+            <a:xfrm>
+              <a:off x="4863589" y="3567059"/>
+              <a:ext cx="1102025" cy="2521767"/>
             </a:xfrm>
             <a:prstGeom prst="rect">
               <a:avLst/>
             </a:prstGeom>
             <a:solidFill>
-              <a:srgbClr val="B7B924">
+              <a:srgbClr val="FFC107">
                 <a:alpha val="100000"/>
               </a:srgbClr>
             </a:solidFill>
@@ -2515,20 +2584,20 @@
         </p:sp>
         <p:sp>
           <p:nvSpPr>
-            <p:cNvPr id="11" name="rc11"/>
-            <p:cNvSpPr/>
-            <p:nvPr/>
-          </p:nvSpPr>
-          <p:spPr>
-            <a:xfrm>
-              <a:off x="4895763" y="2667720"/>
-              <a:ext cx="1088798" cy="2411037"/>
+            <p:cNvPr id="13" name="rc13"/>
+            <p:cNvSpPr/>
+            <p:nvPr/>
+          </p:nvSpPr>
+          <p:spPr>
+            <a:xfrm>
+              <a:off x="6088062" y="2558352"/>
+              <a:ext cx="1102025" cy="3530474"/>
             </a:xfrm>
             <a:prstGeom prst="rect">
               <a:avLst/>
             </a:prstGeom>
             <a:solidFill>
-              <a:srgbClr val="D7834A">
+              <a:srgbClr val="FF9800">
                 <a:alpha val="100000"/>
               </a:srgbClr>
             </a:solidFill>
@@ -2541,40 +2610,14 @@
         </p:sp>
         <p:sp>
           <p:nvSpPr>
-            <p:cNvPr id="12" name="rc12"/>
-            <p:cNvSpPr/>
-            <p:nvPr/>
-          </p:nvSpPr>
-          <p:spPr>
-            <a:xfrm>
-              <a:off x="6105539" y="3947046"/>
-              <a:ext cx="1088798" cy="1131711"/>
-            </a:xfrm>
-            <a:prstGeom prst="rect">
-              <a:avLst/>
-            </a:prstGeom>
-            <a:solidFill>
-              <a:srgbClr val="AD2C97">
-                <a:alpha val="100000"/>
-              </a:srgbClr>
-            </a:solidFill>
-          </p:spPr>
-          <p:txBody>
-            <a:bodyPr/>
-            <a:lstStyle/>
-            <a:p/>
-          </p:txBody>
-        </p:sp>
-        <p:sp>
-          <p:nvSpPr>
-            <p:cNvPr id="13" name="rc13"/>
-            <p:cNvSpPr/>
-            <p:nvPr/>
-          </p:nvSpPr>
-          <p:spPr>
-            <a:xfrm>
-              <a:off x="7315315" y="4980348"/>
-              <a:ext cx="1088798" cy="98409"/>
+            <p:cNvPr id="14" name="rc14"/>
+            <p:cNvSpPr/>
+            <p:nvPr/>
+          </p:nvSpPr>
+          <p:spPr>
+            <a:xfrm>
+              <a:off x="7312535" y="4431665"/>
+              <a:ext cx="1102025" cy="1657161"/>
             </a:xfrm>
             <a:prstGeom prst="rect">
               <a:avLst/>
@@ -2593,13 +2636,105 @@
         </p:sp>
         <p:sp>
           <p:nvSpPr>
-            <p:cNvPr id="14" name="tx14"/>
-            <p:cNvSpPr/>
-            <p:nvPr/>
-          </p:nvSpPr>
-          <p:spPr>
-            <a:xfrm>
-              <a:off x="1710353" y="3657492"/>
+            <p:cNvPr id="15" name="tx15"/>
+            <p:cNvSpPr/>
+            <p:nvPr/>
+          </p:nvSpPr>
+          <p:spPr>
+            <a:xfrm>
+              <a:off x="1690941" y="5359942"/>
+              <a:ext cx="100482" cy="129860"/>
+            </a:xfrm>
+            <a:prstGeom prst="rect">
+              <a:avLst/>
+            </a:prstGeom>
+            <a:noFill/>
+          </p:spPr>
+          <p:txBody>
+            <a:bodyPr lIns="0" rIns="0" tIns="0" bIns="0" anchorCtr="1" anchor="ctr" wrap="none"/>
+            <a:lstStyle/>
+            <a:p>
+              <a:pPr algn="l" marL="0" marR="0" indent="0">
+                <a:lnSpc>
+                  <a:spcPts val="1422"/>
+                </a:lnSpc>
+                <a:spcBef>
+                  <a:spcPts val="0"/>
+                </a:spcBef>
+                <a:spcAft>
+                  <a:spcPts val="0"/>
+                </a:spcAft>
+              </a:pPr>
+              <a:r>
+                <a:rPr sz="1422">
+                  <a:solidFill>
+                    <a:srgbClr val="000000">
+                      <a:alpha val="100000"/>
+                    </a:srgbClr>
+                  </a:solidFill>
+                  <a:latin typeface="Arial"/>
+                  <a:cs typeface="Arial"/>
+                </a:rPr>
+                <a:t>2</a:t>
+              </a:r>
+            </a:p>
+          </p:txBody>
+        </p:sp>
+        <p:sp>
+          <p:nvSpPr>
+            <p:cNvPr id="16" name="tx16"/>
+            <p:cNvSpPr/>
+            <p:nvPr/>
+          </p:nvSpPr>
+          <p:spPr>
+            <a:xfrm>
+              <a:off x="1550451" y="5580415"/>
+              <a:ext cx="381464" cy="169559"/>
+            </a:xfrm>
+            <a:prstGeom prst="rect">
+              <a:avLst/>
+            </a:prstGeom>
+            <a:noFill/>
+          </p:spPr>
+          <p:txBody>
+            <a:bodyPr lIns="0" rIns="0" tIns="0" bIns="0" anchorCtr="1" anchor="ctr" wrap="none"/>
+            <a:lstStyle/>
+            <a:p>
+              <a:pPr algn="l" marL="0" marR="0" indent="0">
+                <a:lnSpc>
+                  <a:spcPts val="1422"/>
+                </a:lnSpc>
+                <a:spcBef>
+                  <a:spcPts val="0"/>
+                </a:spcBef>
+                <a:spcAft>
+                  <a:spcPts val="0"/>
+                </a:spcAft>
+              </a:pPr>
+              <a:r>
+                <a:rPr sz="1422">
+                  <a:solidFill>
+                    <a:srgbClr val="000000">
+                      <a:alpha val="100000"/>
+                    </a:srgbClr>
+                  </a:solidFill>
+                  <a:latin typeface="Arial"/>
+                  <a:cs typeface="Arial"/>
+                </a:rPr>
+                <a:t>(1%)</a:t>
+              </a:r>
+            </a:p>
+          </p:txBody>
+        </p:sp>
+        <p:sp>
+          <p:nvSpPr>
+            <p:cNvPr id="17" name="tx17"/>
+            <p:cNvSpPr/>
+            <p:nvPr/>
+          </p:nvSpPr>
+          <p:spPr>
+            <a:xfrm>
+              <a:off x="2865173" y="4279184"/>
               <a:ext cx="200965" cy="129860"/>
             </a:xfrm>
             <a:prstGeom prst="rect">
@@ -2639,13 +2774,13 @@
         </p:sp>
         <p:sp>
           <p:nvSpPr>
-            <p:cNvPr id="15" name="tx15"/>
-            <p:cNvSpPr/>
-            <p:nvPr/>
-          </p:nvSpPr>
-          <p:spPr>
-            <a:xfrm>
-              <a:off x="1569862" y="3877965"/>
+            <p:cNvPr id="18" name="tx18"/>
+            <p:cNvSpPr/>
+            <p:nvPr/>
+          </p:nvSpPr>
+          <p:spPr>
+            <a:xfrm>
+              <a:off x="2724682" y="4499657"/>
               <a:ext cx="481947" cy="169559"/>
             </a:xfrm>
             <a:prstGeom prst="rect">
@@ -2685,13 +2820,13 @@
         </p:sp>
         <p:sp>
           <p:nvSpPr>
-            <p:cNvPr id="16" name="tx16"/>
-            <p:cNvSpPr/>
-            <p:nvPr/>
-          </p:nvSpPr>
-          <p:spPr>
-            <a:xfrm>
-              <a:off x="2920128" y="3507672"/>
+            <p:cNvPr id="19" name="tx19"/>
+            <p:cNvSpPr/>
+            <p:nvPr/>
+          </p:nvSpPr>
+          <p:spPr>
+            <a:xfrm>
+              <a:off x="4089646" y="4060827"/>
               <a:ext cx="200965" cy="132065"/>
             </a:xfrm>
             <a:prstGeom prst="rect">
@@ -2731,13 +2866,13 @@
         </p:sp>
         <p:sp>
           <p:nvSpPr>
-            <p:cNvPr id="17" name="tx17"/>
-            <p:cNvSpPr/>
-            <p:nvPr/>
-          </p:nvSpPr>
-          <p:spPr>
-            <a:xfrm>
-              <a:off x="2779638" y="3730350"/>
+            <p:cNvPr id="20" name="tx20"/>
+            <p:cNvSpPr/>
+            <p:nvPr/>
+          </p:nvSpPr>
+          <p:spPr>
+            <a:xfrm>
+              <a:off x="3949155" y="4283506"/>
               <a:ext cx="481947" cy="169559"/>
             </a:xfrm>
             <a:prstGeom prst="rect">
@@ -2777,13 +2912,13 @@
         </p:sp>
         <p:sp>
           <p:nvSpPr>
-            <p:cNvPr id="18" name="tx18"/>
-            <p:cNvSpPr/>
-            <p:nvPr/>
-          </p:nvSpPr>
-          <p:spPr>
-            <a:xfrm>
-              <a:off x="4129904" y="2769511"/>
+            <p:cNvPr id="21" name="tx21"/>
+            <p:cNvSpPr/>
+            <p:nvPr/>
+          </p:nvSpPr>
+          <p:spPr>
+            <a:xfrm>
+              <a:off x="5314119" y="2979981"/>
               <a:ext cx="200965" cy="132153"/>
             </a:xfrm>
             <a:prstGeom prst="rect">
@@ -2823,13 +2958,13 @@
         </p:sp>
         <p:sp>
           <p:nvSpPr>
-            <p:cNvPr id="19" name="tx19"/>
-            <p:cNvSpPr/>
-            <p:nvPr/>
-          </p:nvSpPr>
-          <p:spPr>
-            <a:xfrm>
-              <a:off x="3989413" y="2992277"/>
+            <p:cNvPr id="22" name="tx22"/>
+            <p:cNvSpPr/>
+            <p:nvPr/>
+          </p:nvSpPr>
+          <p:spPr>
+            <a:xfrm>
+              <a:off x="5173628" y="3202748"/>
               <a:ext cx="481947" cy="169559"/>
             </a:xfrm>
             <a:prstGeom prst="rect">
@@ -2869,13 +3004,13 @@
         </p:sp>
         <p:sp>
           <p:nvSpPr>
-            <p:cNvPr id="20" name="tx20"/>
-            <p:cNvSpPr/>
-            <p:nvPr/>
-          </p:nvSpPr>
-          <p:spPr>
-            <a:xfrm>
-              <a:off x="5339680" y="2080731"/>
+            <p:cNvPr id="23" name="tx23"/>
+            <p:cNvSpPr/>
+            <p:nvPr/>
+          </p:nvSpPr>
+          <p:spPr>
+            <a:xfrm>
+              <a:off x="6538592" y="1971363"/>
               <a:ext cx="200965" cy="132065"/>
             </a:xfrm>
             <a:prstGeom prst="rect">
@@ -2915,13 +3050,13 @@
         </p:sp>
         <p:sp>
           <p:nvSpPr>
-            <p:cNvPr id="21" name="tx21"/>
-            <p:cNvSpPr/>
-            <p:nvPr/>
-          </p:nvSpPr>
-          <p:spPr>
-            <a:xfrm>
-              <a:off x="5199189" y="2303410"/>
+            <p:cNvPr id="24" name="tx24"/>
+            <p:cNvSpPr/>
+            <p:nvPr/>
+          </p:nvSpPr>
+          <p:spPr>
+            <a:xfrm>
+              <a:off x="6398101" y="2194041"/>
               <a:ext cx="481947" cy="169559"/>
             </a:xfrm>
             <a:prstGeom prst="rect">
@@ -2961,13 +3096,13 @@
         </p:sp>
         <p:sp>
           <p:nvSpPr>
-            <p:cNvPr id="22" name="tx22"/>
-            <p:cNvSpPr/>
-            <p:nvPr/>
-          </p:nvSpPr>
-          <p:spPr>
-            <a:xfrm>
-              <a:off x="6549455" y="3359969"/>
+            <p:cNvPr id="25" name="tx25"/>
+            <p:cNvSpPr/>
+            <p:nvPr/>
+          </p:nvSpPr>
+          <p:spPr>
+            <a:xfrm>
+              <a:off x="7763065" y="3844588"/>
               <a:ext cx="200965" cy="132153"/>
             </a:xfrm>
             <a:prstGeom prst="rect">
@@ -3007,13 +3142,13 @@
         </p:sp>
         <p:sp>
           <p:nvSpPr>
-            <p:cNvPr id="23" name="tx23"/>
-            <p:cNvSpPr/>
-            <p:nvPr/>
-          </p:nvSpPr>
-          <p:spPr>
-            <a:xfrm>
-              <a:off x="6408965" y="3582735"/>
+            <p:cNvPr id="26" name="tx26"/>
+            <p:cNvSpPr/>
+            <p:nvPr/>
+          </p:nvSpPr>
+          <p:spPr>
+            <a:xfrm>
+              <a:off x="7622574" y="4067354"/>
               <a:ext cx="481947" cy="169559"/>
             </a:xfrm>
             <a:prstGeom prst="rect">
@@ -3053,113 +3188,21 @@
         </p:sp>
         <p:sp>
           <p:nvSpPr>
-            <p:cNvPr id="24" name="tx24"/>
-            <p:cNvSpPr/>
-            <p:nvPr/>
-          </p:nvSpPr>
-          <p:spPr>
-            <a:xfrm>
-              <a:off x="7809472" y="4395564"/>
-              <a:ext cx="100482" cy="129860"/>
-            </a:xfrm>
-            <a:prstGeom prst="rect">
-              <a:avLst/>
-            </a:prstGeom>
-            <a:noFill/>
-          </p:spPr>
-          <p:txBody>
-            <a:bodyPr lIns="0" rIns="0" tIns="0" bIns="0" anchorCtr="1" anchor="ctr" wrap="none"/>
-            <a:lstStyle/>
-            <a:p>
-              <a:pPr algn="l" marL="0" marR="0" indent="0">
-                <a:lnSpc>
-                  <a:spcPts val="1422"/>
-                </a:lnSpc>
-                <a:spcBef>
-                  <a:spcPts val="0"/>
-                </a:spcBef>
-                <a:spcAft>
-                  <a:spcPts val="0"/>
-                </a:spcAft>
-              </a:pPr>
-              <a:r>
-                <a:rPr sz="1422">
-                  <a:solidFill>
-                    <a:srgbClr val="000000">
-                      <a:alpha val="100000"/>
-                    </a:srgbClr>
-                  </a:solidFill>
-                  <a:latin typeface="Arial"/>
-                  <a:cs typeface="Arial"/>
-                </a:rPr>
-                <a:t>2</a:t>
-              </a:r>
-            </a:p>
-          </p:txBody>
-        </p:sp>
-        <p:sp>
-          <p:nvSpPr>
-            <p:cNvPr id="25" name="tx25"/>
-            <p:cNvSpPr/>
-            <p:nvPr/>
-          </p:nvSpPr>
-          <p:spPr>
-            <a:xfrm>
-              <a:off x="7668982" y="4616037"/>
-              <a:ext cx="381464" cy="169559"/>
-            </a:xfrm>
-            <a:prstGeom prst="rect">
-              <a:avLst/>
-            </a:prstGeom>
-            <a:noFill/>
-          </p:spPr>
-          <p:txBody>
-            <a:bodyPr lIns="0" rIns="0" tIns="0" bIns="0" anchorCtr="1" anchor="ctr" wrap="none"/>
-            <a:lstStyle/>
-            <a:p>
-              <a:pPr algn="l" marL="0" marR="0" indent="0">
-                <a:lnSpc>
-                  <a:spcPts val="1422"/>
-                </a:lnSpc>
-                <a:spcBef>
-                  <a:spcPts val="0"/>
-                </a:spcBef>
-                <a:spcAft>
-                  <a:spcPts val="0"/>
-                </a:spcAft>
-              </a:pPr>
-              <a:r>
-                <a:rPr sz="1422">
-                  <a:solidFill>
-                    <a:srgbClr val="000000">
-                      <a:alpha val="100000"/>
-                    </a:srgbClr>
-                  </a:solidFill>
-                  <a:latin typeface="Arial"/>
-                  <a:cs typeface="Arial"/>
-                </a:rPr>
-                <a:t>(1%)</a:t>
-              </a:r>
-            </a:p>
-          </p:txBody>
-        </p:sp>
-        <p:sp>
-          <p:nvSpPr>
-            <p:cNvPr id="26" name="pl26"/>
-            <p:cNvSpPr/>
-            <p:nvPr/>
-          </p:nvSpPr>
-          <p:spPr>
-            <a:xfrm>
-              <a:off x="1084970" y="1582753"/>
-              <a:ext cx="0" cy="3616555"/>
+            <p:cNvPr id="27" name="pl27"/>
+            <p:cNvSpPr/>
+            <p:nvPr/>
+          </p:nvSpPr>
+          <p:spPr>
+            <a:xfrm>
+              <a:off x="1006499" y="1499209"/>
+              <a:ext cx="0" cy="4589617"/>
             </a:xfrm>
             <a:custGeom>
               <a:avLst/>
               <a:pathLst>
-                <a:path w="0" h="3616555">
+                <a:path w="0" h="4589617">
                   <a:moveTo>
-                    <a:pt x="0" y="3616555"/>
+                    <a:pt x="0" y="4589617"/>
                   </a:moveTo>
                   <a:lnTo>
                     <a:pt x="0" y="0"/>
@@ -3185,14 +3228,14 @@
         </p:sp>
         <p:sp>
           <p:nvSpPr>
-            <p:cNvPr id="27" name="tx27"/>
-            <p:cNvSpPr/>
-            <p:nvPr/>
-          </p:nvSpPr>
-          <p:spPr>
-            <a:xfrm>
-              <a:off x="894114" y="5013783"/>
-              <a:ext cx="96865" cy="127311"/>
+            <p:cNvPr id="28" name="tx28"/>
+            <p:cNvSpPr/>
+            <p:nvPr/>
+          </p:nvSpPr>
+          <p:spPr>
+            <a:xfrm>
+              <a:off x="839500" y="6031974"/>
+              <a:ext cx="84757" cy="111397"/>
             </a:xfrm>
             <a:prstGeom prst="rect">
               <a:avLst/>
@@ -3205,7 +3248,7 @@
             <a:p>
               <a:pPr algn="l" marL="0" marR="0" indent="0">
                 <a:lnSpc>
-                  <a:spcPts val="1371"/>
+                  <a:spcPts val="1200"/>
                 </a:lnSpc>
                 <a:spcBef>
                   <a:spcPts val="0"/>
@@ -3215,7 +3258,7 @@
                 </a:spcAft>
               </a:pPr>
               <a:r>
-                <a:rPr sz="1371">
+                <a:rPr sz="1200">
                   <a:solidFill>
                     <a:srgbClr val="000000">
                       <a:alpha val="100000"/>
@@ -3231,14 +3274,14 @@
         </p:sp>
         <p:sp>
           <p:nvSpPr>
-            <p:cNvPr id="28" name="tx28"/>
-            <p:cNvSpPr/>
-            <p:nvPr/>
-          </p:nvSpPr>
-          <p:spPr>
-            <a:xfrm>
-              <a:off x="797248" y="4029687"/>
-              <a:ext cx="193731" cy="127311"/>
+            <p:cNvPr id="29" name="tx29"/>
+            <p:cNvSpPr/>
+            <p:nvPr/>
+          </p:nvSpPr>
+          <p:spPr>
+            <a:xfrm>
+              <a:off x="754742" y="4980037"/>
+              <a:ext cx="169515" cy="111397"/>
             </a:xfrm>
             <a:prstGeom prst="rect">
               <a:avLst/>
@@ -3251,7 +3294,7 @@
             <a:p>
               <a:pPr algn="l" marL="0" marR="0" indent="0">
                 <a:lnSpc>
-                  <a:spcPts val="1371"/>
+                  <a:spcPts val="1200"/>
                 </a:lnSpc>
                 <a:spcBef>
                   <a:spcPts val="0"/>
@@ -3261,7 +3304,53 @@
                 </a:spcAft>
               </a:pPr>
               <a:r>
-                <a:rPr sz="1371">
+                <a:rPr sz="1200">
+                  <a:solidFill>
+                    <a:srgbClr val="000000">
+                      <a:alpha val="100000"/>
+                    </a:srgbClr>
+                  </a:solidFill>
+                  <a:latin typeface="Arial"/>
+                  <a:cs typeface="Arial"/>
+                </a:rPr>
+                <a:t>10</a:t>
+              </a:r>
+            </a:p>
+          </p:txBody>
+        </p:sp>
+        <p:sp>
+          <p:nvSpPr>
+            <p:cNvPr id="30" name="tx30"/>
+            <p:cNvSpPr/>
+            <p:nvPr/>
+          </p:nvSpPr>
+          <p:spPr>
+            <a:xfrm>
+              <a:off x="754742" y="3928099"/>
+              <a:ext cx="169515" cy="111397"/>
+            </a:xfrm>
+            <a:prstGeom prst="rect">
+              <a:avLst/>
+            </a:prstGeom>
+            <a:noFill/>
+          </p:spPr>
+          <p:txBody>
+            <a:bodyPr lIns="0" rIns="0" tIns="0" bIns="0" anchorCtr="1" anchor="ctr" wrap="none"/>
+            <a:lstStyle/>
+            <a:p>
+              <a:pPr algn="l" marL="0" marR="0" indent="0">
+                <a:lnSpc>
+                  <a:spcPts val="1200"/>
+                </a:lnSpc>
+                <a:spcBef>
+                  <a:spcPts val="0"/>
+                </a:spcBef>
+                <a:spcAft>
+                  <a:spcPts val="0"/>
+                </a:spcAft>
+              </a:pPr>
+              <a:r>
+                <a:rPr sz="1200">
                   <a:solidFill>
                     <a:srgbClr val="000000">
                       <a:alpha val="100000"/>
@@ -3277,14 +3366,14 @@
         </p:sp>
         <p:sp>
           <p:nvSpPr>
-            <p:cNvPr id="29" name="tx29"/>
-            <p:cNvSpPr/>
-            <p:nvPr/>
-          </p:nvSpPr>
-          <p:spPr>
-            <a:xfrm>
-              <a:off x="797248" y="3045590"/>
-              <a:ext cx="193731" cy="127311"/>
+            <p:cNvPr id="31" name="tx31"/>
+            <p:cNvSpPr/>
+            <p:nvPr/>
+          </p:nvSpPr>
+          <p:spPr>
+            <a:xfrm>
+              <a:off x="754742" y="2876088"/>
+              <a:ext cx="169515" cy="111472"/>
             </a:xfrm>
             <a:prstGeom prst="rect">
               <a:avLst/>
@@ -3297,7 +3386,7 @@
             <a:p>
               <a:pPr algn="l" marL="0" marR="0" indent="0">
                 <a:lnSpc>
-                  <a:spcPts val="1371"/>
+                  <a:spcPts val="1200"/>
                 </a:lnSpc>
                 <a:spcBef>
                   <a:spcPts val="0"/>
@@ -3307,7 +3396,53 @@
                 </a:spcAft>
               </a:pPr>
               <a:r>
-                <a:rPr sz="1371">
+                <a:rPr sz="1200">
+                  <a:solidFill>
+                    <a:srgbClr val="000000">
+                      <a:alpha val="100000"/>
+                    </a:srgbClr>
+                  </a:solidFill>
+                  <a:latin typeface="Arial"/>
+                  <a:cs typeface="Arial"/>
+                </a:rPr>
+                <a:t>30</a:t>
+              </a:r>
+            </a:p>
+          </p:txBody>
+        </p:sp>
+        <p:sp>
+          <p:nvSpPr>
+            <p:cNvPr id="32" name="tx32"/>
+            <p:cNvSpPr/>
+            <p:nvPr/>
+          </p:nvSpPr>
+          <p:spPr>
+            <a:xfrm>
+              <a:off x="754742" y="1824225"/>
+              <a:ext cx="169515" cy="111397"/>
+            </a:xfrm>
+            <a:prstGeom prst="rect">
+              <a:avLst/>
+            </a:prstGeom>
+            <a:noFill/>
+          </p:spPr>
+          <p:txBody>
+            <a:bodyPr lIns="0" rIns="0" tIns="0" bIns="0" anchorCtr="1" anchor="ctr" wrap="none"/>
+            <a:lstStyle/>
+            <a:p>
+              <a:pPr algn="l" marL="0" marR="0" indent="0">
+                <a:lnSpc>
+                  <a:spcPts val="1200"/>
+                </a:lnSpc>
+                <a:spcBef>
+                  <a:spcPts val="0"/>
+                </a:spcBef>
+                <a:spcAft>
+                  <a:spcPts val="0"/>
+                </a:spcAft>
+              </a:pPr>
+              <a:r>
+                <a:rPr sz="1200">
                   <a:solidFill>
                     <a:srgbClr val="000000">
                       <a:alpha val="100000"/>
@@ -3323,70 +3458,24 @@
         </p:sp>
         <p:sp>
           <p:nvSpPr>
-            <p:cNvPr id="30" name="tx30"/>
-            <p:cNvSpPr/>
-            <p:nvPr/>
-          </p:nvSpPr>
-          <p:spPr>
-            <a:xfrm>
-              <a:off x="797248" y="2061493"/>
-              <a:ext cx="193731" cy="127311"/>
-            </a:xfrm>
-            <a:prstGeom prst="rect">
-              <a:avLst/>
-            </a:prstGeom>
-            <a:noFill/>
-          </p:spPr>
-          <p:txBody>
-            <a:bodyPr lIns="0" rIns="0" tIns="0" bIns="0" anchorCtr="1" anchor="ctr" wrap="none"/>
-            <a:lstStyle/>
-            <a:p>
-              <a:pPr algn="l" marL="0" marR="0" indent="0">
-                <a:lnSpc>
-                  <a:spcPts val="1371"/>
-                </a:lnSpc>
-                <a:spcBef>
-                  <a:spcPts val="0"/>
-                </a:spcBef>
-                <a:spcAft>
-                  <a:spcPts val="0"/>
-                </a:spcAft>
-              </a:pPr>
-              <a:r>
-                <a:rPr sz="1371">
-                  <a:solidFill>
-                    <a:srgbClr val="000000">
-                      <a:alpha val="100000"/>
-                    </a:srgbClr>
-                  </a:solidFill>
-                  <a:latin typeface="Arial"/>
-                  <a:cs typeface="Arial"/>
-                </a:rPr>
-                <a:t>60</a:t>
-              </a:r>
-            </a:p>
-          </p:txBody>
-        </p:sp>
-        <p:sp>
-          <p:nvSpPr>
-            <p:cNvPr id="31" name="pl31"/>
-            <p:cNvSpPr/>
-            <p:nvPr/>
-          </p:nvSpPr>
-          <p:spPr>
-            <a:xfrm>
-              <a:off x="1034360" y="5078758"/>
-              <a:ext cx="50610" cy="0"/>
+            <p:cNvPr id="33" name="pl33"/>
+            <p:cNvSpPr/>
+            <p:nvPr/>
+          </p:nvSpPr>
+          <p:spPr>
+            <a:xfrm>
+              <a:off x="962215" y="6088827"/>
+              <a:ext cx="44283" cy="0"/>
             </a:xfrm>
             <a:custGeom>
               <a:avLst/>
               <a:pathLst>
-                <a:path w="50610" h="0">
+                <a:path w="44283" h="0">
                   <a:moveTo>
                     <a:pt x="0" y="0"/>
                   </a:moveTo>
                   <a:lnTo>
-                    <a:pt x="50610" y="0"/>
+                    <a:pt x="44283" y="0"/>
                   </a:lnTo>
                 </a:path>
               </a:pathLst>
@@ -3409,24 +3498,24 @@
         </p:sp>
         <p:sp>
           <p:nvSpPr>
-            <p:cNvPr id="32" name="pl32"/>
-            <p:cNvSpPr/>
-            <p:nvPr/>
-          </p:nvSpPr>
-          <p:spPr>
-            <a:xfrm>
-              <a:off x="1034360" y="4094661"/>
-              <a:ext cx="50610" cy="0"/>
+            <p:cNvPr id="34" name="pl34"/>
+            <p:cNvSpPr/>
+            <p:nvPr/>
+          </p:nvSpPr>
+          <p:spPr>
+            <a:xfrm>
+              <a:off x="962215" y="5036889"/>
+              <a:ext cx="44283" cy="0"/>
             </a:xfrm>
             <a:custGeom>
               <a:avLst/>
               <a:pathLst>
-                <a:path w="50610" h="0">
+                <a:path w="44283" h="0">
                   <a:moveTo>
                     <a:pt x="0" y="0"/>
                   </a:moveTo>
                   <a:lnTo>
-                    <a:pt x="50610" y="0"/>
+                    <a:pt x="44283" y="0"/>
                   </a:lnTo>
                 </a:path>
               </a:pathLst>
@@ -3449,24 +3538,24 @@
         </p:sp>
         <p:sp>
           <p:nvSpPr>
-            <p:cNvPr id="33" name="pl33"/>
-            <p:cNvSpPr/>
-            <p:nvPr/>
-          </p:nvSpPr>
-          <p:spPr>
-            <a:xfrm>
-              <a:off x="1034360" y="3110564"/>
-              <a:ext cx="50610" cy="0"/>
+            <p:cNvPr id="35" name="pl35"/>
+            <p:cNvSpPr/>
+            <p:nvPr/>
+          </p:nvSpPr>
+          <p:spPr>
+            <a:xfrm>
+              <a:off x="962215" y="3984952"/>
+              <a:ext cx="44283" cy="0"/>
             </a:xfrm>
             <a:custGeom>
               <a:avLst/>
               <a:pathLst>
-                <a:path w="50610" h="0">
+                <a:path w="44283" h="0">
                   <a:moveTo>
                     <a:pt x="0" y="0"/>
                   </a:moveTo>
                   <a:lnTo>
-                    <a:pt x="50610" y="0"/>
+                    <a:pt x="44283" y="0"/>
                   </a:lnTo>
                 </a:path>
               </a:pathLst>
@@ -3489,24 +3578,24 @@
         </p:sp>
         <p:sp>
           <p:nvSpPr>
-            <p:cNvPr id="34" name="pl34"/>
-            <p:cNvSpPr/>
-            <p:nvPr/>
-          </p:nvSpPr>
-          <p:spPr>
-            <a:xfrm>
-              <a:off x="1034360" y="2126467"/>
-              <a:ext cx="50610" cy="0"/>
+            <p:cNvPr id="36" name="pl36"/>
+            <p:cNvSpPr/>
+            <p:nvPr/>
+          </p:nvSpPr>
+          <p:spPr>
+            <a:xfrm>
+              <a:off x="962215" y="2933014"/>
+              <a:ext cx="44283" cy="0"/>
             </a:xfrm>
             <a:custGeom>
               <a:avLst/>
               <a:pathLst>
-                <a:path w="50610" h="0">
+                <a:path w="44283" h="0">
                   <a:moveTo>
                     <a:pt x="0" y="0"/>
                   </a:moveTo>
                   <a:lnTo>
-                    <a:pt x="50610" y="0"/>
+                    <a:pt x="44283" y="0"/>
                   </a:lnTo>
                 </a:path>
               </a:pathLst>
@@ -3529,24 +3618,64 @@
         </p:sp>
         <p:sp>
           <p:nvSpPr>
-            <p:cNvPr id="35" name="pl35"/>
-            <p:cNvSpPr/>
-            <p:nvPr/>
-          </p:nvSpPr>
-          <p:spPr>
-            <a:xfrm>
-              <a:off x="1084970" y="5199309"/>
-              <a:ext cx="7500608" cy="0"/>
+            <p:cNvPr id="37" name="pl37"/>
+            <p:cNvSpPr/>
+            <p:nvPr/>
+          </p:nvSpPr>
+          <p:spPr>
+            <a:xfrm>
+              <a:off x="962215" y="1881077"/>
+              <a:ext cx="44283" cy="0"/>
             </a:xfrm>
             <a:custGeom>
               <a:avLst/>
               <a:pathLst>
-                <a:path w="7500608" h="0">
+                <a:path w="44283" h="0">
                   <a:moveTo>
                     <a:pt x="0" y="0"/>
                   </a:moveTo>
                   <a:lnTo>
-                    <a:pt x="7500608" y="0"/>
+                    <a:pt x="44283" y="0"/>
+                  </a:lnTo>
+                </a:path>
+              </a:pathLst>
+            </a:custGeom>
+            <a:ln w="13550" cap="flat">
+              <a:solidFill>
+                <a:srgbClr val="000000">
+                  <a:alpha val="100000"/>
+                </a:srgbClr>
+              </a:solidFill>
+              <a:prstDash val="solid"/>
+              <a:round/>
+            </a:ln>
+          </p:spPr>
+          <p:txBody>
+            <a:bodyPr/>
+            <a:lstStyle/>
+            <a:p/>
+          </p:txBody>
+        </p:sp>
+        <p:sp>
+          <p:nvSpPr>
+            <p:cNvPr id="38" name="pl38"/>
+            <p:cNvSpPr/>
+            <p:nvPr/>
+          </p:nvSpPr>
+          <p:spPr>
+            <a:xfrm>
+              <a:off x="1006499" y="6088827"/>
+              <a:ext cx="7591732" cy="0"/>
+            </a:xfrm>
+            <a:custGeom>
+              <a:avLst/>
+              <a:pathLst>
+                <a:path w="7591732" h="0">
+                  <a:moveTo>
+                    <a:pt x="0" y="0"/>
+                  </a:moveTo>
+                  <a:lnTo>
+                    <a:pt x="7591732" y="0"/>
                   </a:lnTo>
                 </a:path>
               </a:pathLst>
@@ -3569,21 +3698,21 @@
         </p:sp>
         <p:sp>
           <p:nvSpPr>
-            <p:cNvPr id="36" name="pl36"/>
-            <p:cNvSpPr/>
-            <p:nvPr/>
-          </p:nvSpPr>
-          <p:spPr>
-            <a:xfrm>
-              <a:off x="1810836" y="5199309"/>
-              <a:ext cx="0" cy="50610"/>
+            <p:cNvPr id="39" name="pl39"/>
+            <p:cNvSpPr/>
+            <p:nvPr/>
+          </p:nvSpPr>
+          <p:spPr>
+            <a:xfrm>
+              <a:off x="1741183" y="6088827"/>
+              <a:ext cx="0" cy="44283"/>
             </a:xfrm>
             <a:custGeom>
               <a:avLst/>
               <a:pathLst>
-                <a:path w="0" h="50610">
+                <a:path w="0" h="44283">
                   <a:moveTo>
-                    <a:pt x="0" y="50610"/>
+                    <a:pt x="0" y="44283"/>
                   </a:moveTo>
                   <a:lnTo>
                     <a:pt x="0" y="0"/>
@@ -3609,21 +3738,21 @@
         </p:sp>
         <p:sp>
           <p:nvSpPr>
-            <p:cNvPr id="37" name="pl37"/>
-            <p:cNvSpPr/>
-            <p:nvPr/>
-          </p:nvSpPr>
-          <p:spPr>
-            <a:xfrm>
-              <a:off x="3020611" y="5199309"/>
-              <a:ext cx="0" cy="50610"/>
+            <p:cNvPr id="40" name="pl40"/>
+            <p:cNvSpPr/>
+            <p:nvPr/>
+          </p:nvSpPr>
+          <p:spPr>
+            <a:xfrm>
+              <a:off x="2965656" y="6088827"/>
+              <a:ext cx="0" cy="44283"/>
             </a:xfrm>
             <a:custGeom>
               <a:avLst/>
               <a:pathLst>
-                <a:path w="0" h="50610">
+                <a:path w="0" h="44283">
                   <a:moveTo>
-                    <a:pt x="0" y="50610"/>
+                    <a:pt x="0" y="44283"/>
                   </a:moveTo>
                   <a:lnTo>
                     <a:pt x="0" y="0"/>
@@ -3649,21 +3778,21 @@
         </p:sp>
         <p:sp>
           <p:nvSpPr>
-            <p:cNvPr id="38" name="pl38"/>
-            <p:cNvSpPr/>
-            <p:nvPr/>
-          </p:nvSpPr>
-          <p:spPr>
-            <a:xfrm>
-              <a:off x="4230387" y="5199309"/>
-              <a:ext cx="0" cy="50610"/>
+            <p:cNvPr id="41" name="pl41"/>
+            <p:cNvSpPr/>
+            <p:nvPr/>
+          </p:nvSpPr>
+          <p:spPr>
+            <a:xfrm>
+              <a:off x="4190129" y="6088827"/>
+              <a:ext cx="0" cy="44283"/>
             </a:xfrm>
             <a:custGeom>
               <a:avLst/>
               <a:pathLst>
-                <a:path w="0" h="50610">
+                <a:path w="0" h="44283">
                   <a:moveTo>
-                    <a:pt x="0" y="50610"/>
+                    <a:pt x="0" y="44283"/>
                   </a:moveTo>
                   <a:lnTo>
                     <a:pt x="0" y="0"/>
@@ -3689,21 +3818,21 @@
         </p:sp>
         <p:sp>
           <p:nvSpPr>
-            <p:cNvPr id="39" name="pl39"/>
-            <p:cNvSpPr/>
-            <p:nvPr/>
-          </p:nvSpPr>
-          <p:spPr>
-            <a:xfrm>
-              <a:off x="5440162" y="5199309"/>
-              <a:ext cx="0" cy="50610"/>
+            <p:cNvPr id="42" name="pl42"/>
+            <p:cNvSpPr/>
+            <p:nvPr/>
+          </p:nvSpPr>
+          <p:spPr>
+            <a:xfrm>
+              <a:off x="5414602" y="6088827"/>
+              <a:ext cx="0" cy="44283"/>
             </a:xfrm>
             <a:custGeom>
               <a:avLst/>
               <a:pathLst>
-                <a:path w="0" h="50610">
+                <a:path w="0" h="44283">
                   <a:moveTo>
-                    <a:pt x="0" y="50610"/>
+                    <a:pt x="0" y="44283"/>
                   </a:moveTo>
                   <a:lnTo>
                     <a:pt x="0" y="0"/>
@@ -3729,21 +3858,21 @@
         </p:sp>
         <p:sp>
           <p:nvSpPr>
-            <p:cNvPr id="40" name="pl40"/>
-            <p:cNvSpPr/>
-            <p:nvPr/>
-          </p:nvSpPr>
-          <p:spPr>
-            <a:xfrm>
-              <a:off x="6649938" y="5199309"/>
-              <a:ext cx="0" cy="50610"/>
+            <p:cNvPr id="43" name="pl43"/>
+            <p:cNvSpPr/>
+            <p:nvPr/>
+          </p:nvSpPr>
+          <p:spPr>
+            <a:xfrm>
+              <a:off x="6639075" y="6088827"/>
+              <a:ext cx="0" cy="44283"/>
             </a:xfrm>
             <a:custGeom>
               <a:avLst/>
               <a:pathLst>
-                <a:path w="0" h="50610">
+                <a:path w="0" h="44283">
                   <a:moveTo>
-                    <a:pt x="0" y="50610"/>
+                    <a:pt x="0" y="44283"/>
                   </a:moveTo>
                   <a:lnTo>
                     <a:pt x="0" y="0"/>
@@ -3769,21 +3898,21 @@
         </p:sp>
         <p:sp>
           <p:nvSpPr>
-            <p:cNvPr id="41" name="pl41"/>
-            <p:cNvSpPr/>
-            <p:nvPr/>
-          </p:nvSpPr>
-          <p:spPr>
-            <a:xfrm>
-              <a:off x="7859714" y="5199309"/>
-              <a:ext cx="0" cy="50610"/>
+            <p:cNvPr id="44" name="pl44"/>
+            <p:cNvSpPr/>
+            <p:nvPr/>
+          </p:nvSpPr>
+          <p:spPr>
+            <a:xfrm>
+              <a:off x="7863548" y="6088827"/>
+              <a:ext cx="0" cy="44283"/>
             </a:xfrm>
             <a:custGeom>
               <a:avLst/>
               <a:pathLst>
-                <a:path w="0" h="50610">
+                <a:path w="0" h="44283">
                   <a:moveTo>
-                    <a:pt x="0" y="50610"/>
+                    <a:pt x="0" y="44283"/>
                   </a:moveTo>
                   <a:lnTo>
                     <a:pt x="0" y="0"/>
@@ -3809,14 +3938,14 @@
         </p:sp>
         <p:sp>
           <p:nvSpPr>
-            <p:cNvPr id="42" name="tx42"/>
-            <p:cNvSpPr/>
-            <p:nvPr/>
-          </p:nvSpPr>
-          <p:spPr>
-            <a:xfrm rot="-2700000">
-              <a:off x="1267520" y="5516307"/>
-              <a:ext cx="687330" cy="126716"/>
+            <p:cNvPr id="45" name="tx45"/>
+            <p:cNvSpPr/>
+            <p:nvPr/>
+          </p:nvSpPr>
+          <p:spPr>
+            <a:xfrm>
+              <a:off x="1336928" y="6169282"/>
+              <a:ext cx="808508" cy="110876"/>
             </a:xfrm>
             <a:prstGeom prst="rect">
               <a:avLst/>
@@ -3829,7 +3958,7 @@
             <a:p>
               <a:pPr algn="l" marL="0" marR="0" indent="0">
                 <a:lnSpc>
-                  <a:spcPts val="1371"/>
+                  <a:spcPts val="1200"/>
                 </a:lnSpc>
                 <a:spcBef>
                   <a:spcPts val="0"/>
@@ -3839,7 +3968,53 @@
                 </a:spcAft>
               </a:pPr>
               <a:r>
-                <a:rPr sz="1371">
+                <a:rPr sz="1200">
+                  <a:solidFill>
+                    <a:srgbClr val="000000">
+                      <a:alpha val="100000"/>
+                    </a:srgbClr>
+                  </a:solidFill>
+                  <a:latin typeface="Arial"/>
+                  <a:cs typeface="Arial"/>
+                </a:rPr>
+                <a:t>I don't know</a:t>
+              </a:r>
+            </a:p>
+          </p:txBody>
+        </p:sp>
+        <p:sp>
+          <p:nvSpPr>
+            <p:cNvPr id="46" name="tx46"/>
+            <p:cNvSpPr/>
+            <p:nvPr/>
+          </p:nvSpPr>
+          <p:spPr>
+            <a:xfrm>
+              <a:off x="2664948" y="6169282"/>
+              <a:ext cx="601414" cy="110876"/>
+            </a:xfrm>
+            <a:prstGeom prst="rect">
+              <a:avLst/>
+            </a:prstGeom>
+            <a:noFill/>
+          </p:spPr>
+          <p:txBody>
+            <a:bodyPr lIns="0" rIns="0" tIns="0" bIns="0" anchorCtr="1" anchor="ctr" wrap="none"/>
+            <a:lstStyle/>
+            <a:p>
+              <a:pPr algn="l" marL="0" marR="0" indent="0">
+                <a:lnSpc>
+                  <a:spcPts val="1200"/>
+                </a:lnSpc>
+                <a:spcBef>
+                  <a:spcPts val="0"/>
+                </a:spcBef>
+                <a:spcAft>
+                  <a:spcPts val="0"/>
+                </a:spcAft>
+              </a:pPr>
+              <a:r>
+                <a:rPr sz="1200">
                   <a:solidFill>
                     <a:srgbClr val="000000">
                       <a:alpha val="100000"/>
@@ -3855,14 +4030,14 @@
         </p:sp>
         <p:sp>
           <p:nvSpPr>
-            <p:cNvPr id="43" name="tx43"/>
-            <p:cNvSpPr/>
-            <p:nvPr/>
-          </p:nvSpPr>
-          <p:spPr>
-            <a:xfrm rot="-2700000">
-              <a:off x="2571740" y="5440448"/>
-              <a:ext cx="561464" cy="163455"/>
+            <p:cNvPr id="47" name="tx47"/>
+            <p:cNvSpPr/>
+            <p:nvPr/>
+          </p:nvSpPr>
+          <p:spPr>
+            <a:xfrm>
+              <a:off x="3944488" y="6137135"/>
+              <a:ext cx="491281" cy="143023"/>
             </a:xfrm>
             <a:prstGeom prst="rect">
               <a:avLst/>
@@ -3875,7 +4050,7 @@
             <a:p>
               <a:pPr algn="l" marL="0" marR="0" indent="0">
                 <a:lnSpc>
-                  <a:spcPts val="1371"/>
+                  <a:spcPts val="1200"/>
                 </a:lnSpc>
                 <a:spcBef>
                   <a:spcPts val="0"/>
@@ -3885,7 +4060,7 @@
                 </a:spcAft>
               </a:pPr>
               <a:r>
-                <a:rPr sz="1371">
+                <a:rPr sz="1200">
                   <a:solidFill>
                     <a:srgbClr val="000000">
                       <a:alpha val="100000"/>
@@ -3901,14 +4076,14 @@
         </p:sp>
         <p:sp>
           <p:nvSpPr>
-            <p:cNvPr id="44" name="tx44"/>
-            <p:cNvSpPr/>
-            <p:nvPr/>
-          </p:nvSpPr>
-          <p:spPr>
-            <a:xfrm rot="-2700000">
-              <a:off x="3526096" y="5548372"/>
-              <a:ext cx="861587" cy="161329"/>
+            <p:cNvPr id="48" name="tx48"/>
+            <p:cNvSpPr/>
+            <p:nvPr/>
+          </p:nvSpPr>
+          <p:spPr>
+            <a:xfrm>
+              <a:off x="5037657" y="6138996"/>
+              <a:ext cx="753888" cy="141163"/>
             </a:xfrm>
             <a:prstGeom prst="rect">
               <a:avLst/>
@@ -3921,7 +4096,7 @@
             <a:p>
               <a:pPr algn="l" marL="0" marR="0" indent="0">
                 <a:lnSpc>
-                  <a:spcPts val="1371"/>
+                  <a:spcPts val="1200"/>
                 </a:lnSpc>
                 <a:spcBef>
                   <a:spcPts val="0"/>
@@ -3931,7 +4106,7 @@
                 </a:spcAft>
               </a:pPr>
               <a:r>
-                <a:rPr sz="1371">
+                <a:rPr sz="1200">
                   <a:solidFill>
                     <a:srgbClr val="000000">
                       <a:alpha val="100000"/>
@@ -3947,14 +4122,14 @@
         </p:sp>
         <p:sp>
           <p:nvSpPr>
-            <p:cNvPr id="45" name="tx45"/>
-            <p:cNvSpPr/>
-            <p:nvPr/>
-          </p:nvSpPr>
-          <p:spPr>
-            <a:xfrm rot="-2700000">
-              <a:off x="5186046" y="5396517"/>
-              <a:ext cx="348512" cy="126716"/>
+            <p:cNvPr id="49" name="tx49"/>
+            <p:cNvSpPr/>
+            <p:nvPr/>
+          </p:nvSpPr>
+          <p:spPr>
+            <a:xfrm>
+              <a:off x="6486600" y="6169282"/>
+              <a:ext cx="304948" cy="110876"/>
             </a:xfrm>
             <a:prstGeom prst="rect">
               <a:avLst/>
@@ -3967,7 +4142,7 @@
             <a:p>
               <a:pPr algn="l" marL="0" marR="0" indent="0">
                 <a:lnSpc>
-                  <a:spcPts val="1371"/>
+                  <a:spcPts val="1200"/>
                 </a:lnSpc>
                 <a:spcBef>
                   <a:spcPts val="0"/>
@@ -3977,7 +4152,7 @@
                 </a:spcAft>
               </a:pPr>
               <a:r>
-                <a:rPr sz="1371">
+                <a:rPr sz="1200">
                   <a:solidFill>
                     <a:srgbClr val="000000">
                       <a:alpha val="100000"/>
@@ -3993,14 +4168,14 @@
         </p:sp>
         <p:sp>
           <p:nvSpPr>
-            <p:cNvPr id="46" name="tx46"/>
-            <p:cNvSpPr/>
-            <p:nvPr/>
-          </p:nvSpPr>
-          <p:spPr>
-            <a:xfrm rot="-2700000">
-              <a:off x="6020198" y="5517493"/>
-              <a:ext cx="774246" cy="161329"/>
+            <p:cNvPr id="50" name="tx50"/>
+            <p:cNvSpPr/>
+            <p:nvPr/>
+          </p:nvSpPr>
+          <p:spPr>
+            <a:xfrm>
+              <a:off x="7524815" y="6138996"/>
+              <a:ext cx="677465" cy="141163"/>
             </a:xfrm>
             <a:prstGeom prst="rect">
               <a:avLst/>
@@ -4013,7 +4188,7 @@
             <a:p>
               <a:pPr algn="l" marL="0" marR="0" indent="0">
                 <a:lnSpc>
-                  <a:spcPts val="1371"/>
+                  <a:spcPts val="1200"/>
                 </a:lnSpc>
                 <a:spcBef>
                   <a:spcPts val="0"/>
@@ -4023,7 +4198,7 @@
                 </a:spcAft>
               </a:pPr>
               <a:r>
-                <a:rPr sz="1371">
+                <a:rPr sz="1200">
                   <a:solidFill>
                     <a:srgbClr val="000000">
                       <a:alpha val="100000"/>
@@ -4039,14 +4214,14 @@
         </p:sp>
         <p:sp>
           <p:nvSpPr>
-            <p:cNvPr id="47" name="tx47"/>
-            <p:cNvSpPr/>
-            <p:nvPr/>
-          </p:nvSpPr>
-          <p:spPr>
-            <a:xfrm rot="-2700000">
-              <a:off x="7114380" y="5599986"/>
-              <a:ext cx="924010" cy="126716"/>
+            <p:cNvPr id="51" name="tx51"/>
+            <p:cNvSpPr/>
+            <p:nvPr/>
+          </p:nvSpPr>
+          <p:spPr>
+            <a:xfrm rot="-5400000">
+              <a:off x="-160440" y="3711629"/>
+              <a:ext cx="1502184" cy="164777"/>
             </a:xfrm>
             <a:prstGeom prst="rect">
               <a:avLst/>
@@ -4059,7 +4234,7 @@
             <a:p>
               <a:pPr algn="l" marL="0" marR="0" indent="0">
                 <a:lnSpc>
-                  <a:spcPts val="1371"/>
+                  <a:spcPts val="1400"/>
                 </a:lnSpc>
                 <a:spcBef>
                   <a:spcPts val="0"/>
@@ -4069,53 +4244,7 @@
                 </a:spcAft>
               </a:pPr>
               <a:r>
-                <a:rPr sz="1371">
-                  <a:solidFill>
-                    <a:srgbClr val="000000">
-                      <a:alpha val="100000"/>
-                    </a:srgbClr>
-                  </a:solidFill>
-                  <a:latin typeface="Arial"/>
-                  <a:cs typeface="Arial"/>
-                </a:rPr>
-                <a:t>I don't know</a:t>
-              </a:r>
-            </a:p>
-          </p:txBody>
-        </p:sp>
-        <p:sp>
-          <p:nvSpPr>
-            <p:cNvPr id="48" name="tx48"/>
-            <p:cNvSpPr/>
-            <p:nvPr/>
-          </p:nvSpPr>
-          <p:spPr>
-            <a:xfrm rot="-5400000">
-              <a:off x="-248674" y="3296873"/>
-              <a:ext cx="1716782" cy="188317"/>
-            </a:xfrm>
-            <a:prstGeom prst="rect">
-              <a:avLst/>
-            </a:prstGeom>
-            <a:noFill/>
-          </p:spPr>
-          <p:txBody>
-            <a:bodyPr lIns="0" rIns="0" tIns="0" bIns="0" anchorCtr="1" anchor="ctr" wrap="none"/>
-            <a:lstStyle/>
-            <a:p>
-              <a:pPr algn="l" marL="0" marR="0" indent="0">
-                <a:lnSpc>
-                  <a:spcPts val="1600"/>
-                </a:lnSpc>
-                <a:spcBef>
-                  <a:spcPts val="0"/>
-                </a:spcBef>
-                <a:spcAft>
-                  <a:spcPts val="0"/>
-                </a:spcAft>
-              </a:pPr>
-              <a:r>
-                <a:rPr sz="1600">
+                <a:rPr sz="1400">
                   <a:solidFill>
                     <a:srgbClr val="000000">
                       <a:alpha val="100000"/>
@@ -4131,14 +4260,14 @@
         </p:sp>
         <p:sp>
           <p:nvSpPr>
-            <p:cNvPr id="49" name="tx49"/>
-            <p:cNvSpPr/>
-            <p:nvPr/>
-          </p:nvSpPr>
-          <p:spPr>
-            <a:xfrm>
-              <a:off x="1084970" y="963913"/>
-              <a:ext cx="6052230" cy="217941"/>
+            <p:cNvPr id="52" name="tx52"/>
+            <p:cNvSpPr/>
+            <p:nvPr/>
+          </p:nvSpPr>
+          <p:spPr>
+            <a:xfrm>
+              <a:off x="1006499" y="957724"/>
+              <a:ext cx="5295701" cy="190698"/>
             </a:xfrm>
             <a:prstGeom prst="rect">
               <a:avLst/>
@@ -4151,7 +4280,7 @@
             <a:p>
               <a:pPr algn="l" marL="0" marR="0" indent="0">
                 <a:lnSpc>
-                  <a:spcPts val="1828"/>
+                  <a:spcPts val="1600"/>
                 </a:lnSpc>
                 <a:spcBef>
                   <a:spcPts val="0"/>
@@ -4161,7 +4290,7 @@
                 </a:spcAft>
               </a:pPr>
               <a:r>
-                <a:rPr sz="1828" b="1">
+                <a:rPr sz="1600" b="1">
                   <a:solidFill>
                     <a:srgbClr val="000000">
                       <a:alpha val="100000"/>
@@ -4177,14 +4306,14 @@
         </p:sp>
         <p:sp>
           <p:nvSpPr>
-            <p:cNvPr id="50" name="tx50"/>
-            <p:cNvSpPr/>
-            <p:nvPr/>
-          </p:nvSpPr>
-          <p:spPr>
-            <a:xfrm>
-              <a:off x="1084970" y="1214720"/>
-              <a:ext cx="845457" cy="217941"/>
+            <p:cNvPr id="53" name="tx53"/>
+            <p:cNvSpPr/>
+            <p:nvPr/>
+          </p:nvSpPr>
+          <p:spPr>
+            <a:xfrm>
+              <a:off x="1006499" y="1177180"/>
+              <a:ext cx="739775" cy="190698"/>
             </a:xfrm>
             <a:prstGeom prst="rect">
               <a:avLst/>
@@ -4197,7 +4326,7 @@
             <a:p>
               <a:pPr algn="l" marL="0" marR="0" indent="0">
                 <a:lnSpc>
-                  <a:spcPts val="1828"/>
+                  <a:spcPts val="1600"/>
                 </a:lnSpc>
                 <a:spcBef>
                   <a:spcPts val="0"/>
@@ -4207,7 +4336,7 @@
                 </a:spcAft>
               </a:pPr>
               <a:r>
-                <a:rPr sz="1828" b="1">
+                <a:rPr sz="1600" b="1">
                   <a:solidFill>
                     <a:srgbClr val="000000">
                       <a:alpha val="100000"/>

--- a/results/figures/pptx/impact_personal_relations.pptx
+++ b/results/figures/pptx/impact_personal_relations.pptx
@@ -2314,7 +2314,7 @@
           </p:nvSpPr>
           <p:spPr>
             <a:xfrm>
-              <a:off x="1006499" y="5036889"/>
+              <a:off x="1006499" y="5014661"/>
               <a:ext cx="7591732" cy="0"/>
             </a:xfrm>
             <a:custGeom>
@@ -2357,7 +2357,7 @@
           </p:nvSpPr>
           <p:spPr>
             <a:xfrm>
-              <a:off x="1006499" y="3984952"/>
+              <a:off x="1006499" y="3940495"/>
               <a:ext cx="7591732" cy="0"/>
             </a:xfrm>
             <a:custGeom>
@@ -2400,7 +2400,7 @@
           </p:nvSpPr>
           <p:spPr>
             <a:xfrm>
-              <a:off x="1006499" y="2933014"/>
+              <a:off x="1006499" y="2866329"/>
               <a:ext cx="7591732" cy="0"/>
             </a:xfrm>
             <a:custGeom>
@@ -2443,7 +2443,7 @@
           </p:nvSpPr>
           <p:spPr>
             <a:xfrm>
-              <a:off x="1006499" y="1881077"/>
+              <a:off x="1006499" y="1792164"/>
               <a:ext cx="7591732" cy="0"/>
             </a:xfrm>
             <a:custGeom>
@@ -2486,8 +2486,8 @@
           </p:nvSpPr>
           <p:spPr>
             <a:xfrm>
-              <a:off x="1190170" y="5944726"/>
-              <a:ext cx="1102025" cy="144101"/>
+              <a:off x="1190170" y="5863477"/>
+              <a:ext cx="1102025" cy="225349"/>
             </a:xfrm>
             <a:prstGeom prst="rect">
               <a:avLst/>
@@ -2512,8 +2512,8 @@
           </p:nvSpPr>
           <p:spPr>
             <a:xfrm>
-              <a:off x="2414643" y="4863968"/>
-              <a:ext cx="1102025" cy="1224858"/>
+              <a:off x="2414643" y="4886963"/>
+              <a:ext cx="1102025" cy="1201863"/>
             </a:xfrm>
             <a:prstGeom prst="rect">
               <a:avLst/>
@@ -2538,8 +2538,8 @@
           </p:nvSpPr>
           <p:spPr>
             <a:xfrm>
-              <a:off x="3639116" y="4647816"/>
-              <a:ext cx="1102025" cy="1441010"/>
+              <a:off x="3639116" y="4661613"/>
+              <a:ext cx="1102025" cy="1427213"/>
             </a:xfrm>
             <a:prstGeom prst="rect">
               <a:avLst/>
@@ -2564,8 +2564,8 @@
           </p:nvSpPr>
           <p:spPr>
             <a:xfrm>
-              <a:off x="4863589" y="3567059"/>
-              <a:ext cx="1102025" cy="2521767"/>
+              <a:off x="4863589" y="3534866"/>
+              <a:ext cx="1102025" cy="2553960"/>
             </a:xfrm>
             <a:prstGeom prst="rect">
               <a:avLst/>
@@ -2616,8 +2616,8 @@
           </p:nvSpPr>
           <p:spPr>
             <a:xfrm>
-              <a:off x="7312535" y="4431665"/>
-              <a:ext cx="1102025" cy="1657161"/>
+              <a:off x="7312535" y="4286031"/>
+              <a:ext cx="1102025" cy="1802795"/>
             </a:xfrm>
             <a:prstGeom prst="rect">
               <a:avLst/>
@@ -2642,8 +2642,8 @@
           </p:nvSpPr>
           <p:spPr>
             <a:xfrm>
-              <a:off x="1690941" y="5359942"/>
-              <a:ext cx="100482" cy="129860"/>
+              <a:off x="1690941" y="5276400"/>
+              <a:ext cx="100482" cy="132153"/>
             </a:xfrm>
             <a:prstGeom prst="rect">
               <a:avLst/>
@@ -2675,7 +2675,7 @@
                   <a:latin typeface="Arial"/>
                   <a:cs typeface="Arial"/>
                 </a:rPr>
-                <a:t>2</a:t>
+                <a:t>3</a:t>
               </a:r>
             </a:p>
           </p:txBody>
@@ -2688,7 +2688,7 @@
           </p:nvSpPr>
           <p:spPr>
             <a:xfrm>
-              <a:off x="1550451" y="5580415"/>
+              <a:off x="1550451" y="5499166"/>
               <a:ext cx="381464" cy="169559"/>
             </a:xfrm>
             <a:prstGeom prst="rect">
@@ -2721,7 +2721,7 @@
                   <a:latin typeface="Arial"/>
                   <a:cs typeface="Arial"/>
                 </a:rPr>
-                <a:t>(1%)</a:t>
+                <a:t>(2%)</a:t>
               </a:r>
             </a:p>
           </p:txBody>
@@ -2734,8 +2734,8 @@
           </p:nvSpPr>
           <p:spPr>
             <a:xfrm>
-              <a:off x="2865173" y="4279184"/>
-              <a:ext cx="200965" cy="129860"/>
+              <a:off x="2865173" y="4299974"/>
+              <a:ext cx="200965" cy="132065"/>
             </a:xfrm>
             <a:prstGeom prst="rect">
               <a:avLst/>
@@ -2767,7 +2767,7 @@
                   <a:latin typeface="Arial"/>
                   <a:cs typeface="Arial"/>
                 </a:rPr>
-                <a:t>17</a:t>
+                <a:t>16</a:t>
               </a:r>
             </a:p>
           </p:txBody>
@@ -2780,7 +2780,7 @@
           </p:nvSpPr>
           <p:spPr>
             <a:xfrm>
-              <a:off x="2724682" y="4499657"/>
+              <a:off x="2724682" y="4522652"/>
               <a:ext cx="481947" cy="169559"/>
             </a:xfrm>
             <a:prstGeom prst="rect">
@@ -2813,7 +2813,7 @@
                   <a:latin typeface="Arial"/>
                   <a:cs typeface="Arial"/>
                 </a:rPr>
-                <a:t>(12%)</a:t>
+                <a:t>(11%)</a:t>
               </a:r>
             </a:p>
           </p:txBody>
@@ -2826,7 +2826,7 @@
           </p:nvSpPr>
           <p:spPr>
             <a:xfrm>
-              <a:off x="4089646" y="4060827"/>
+              <a:off x="4089646" y="4074624"/>
               <a:ext cx="200965" cy="132065"/>
             </a:xfrm>
             <a:prstGeom prst="rect">
@@ -2859,7 +2859,7 @@
                   <a:latin typeface="Arial"/>
                   <a:cs typeface="Arial"/>
                 </a:rPr>
-                <a:t>20</a:t>
+                <a:t>19</a:t>
               </a:r>
             </a:p>
           </p:txBody>
@@ -2872,7 +2872,7 @@
           </p:nvSpPr>
           <p:spPr>
             <a:xfrm>
-              <a:off x="3949155" y="4283506"/>
+              <a:off x="3949155" y="4297303"/>
               <a:ext cx="481947" cy="169559"/>
             </a:xfrm>
             <a:prstGeom prst="rect">
@@ -2905,7 +2905,7 @@
                   <a:latin typeface="Arial"/>
                   <a:cs typeface="Arial"/>
                 </a:rPr>
-                <a:t>(14%)</a:t>
+                <a:t>(13%)</a:t>
               </a:r>
             </a:p>
           </p:txBody>
@@ -2918,7 +2918,7 @@
           </p:nvSpPr>
           <p:spPr>
             <a:xfrm>
-              <a:off x="5314119" y="2979981"/>
+              <a:off x="5314119" y="2947789"/>
               <a:ext cx="200965" cy="132153"/>
             </a:xfrm>
             <a:prstGeom prst="rect">
@@ -2951,7 +2951,7 @@
                   <a:latin typeface="Arial"/>
                   <a:cs typeface="Arial"/>
                 </a:rPr>
-                <a:t>35</a:t>
+                <a:t>34</a:t>
               </a:r>
             </a:p>
           </p:txBody>
@@ -2964,7 +2964,7 @@
           </p:nvSpPr>
           <p:spPr>
             <a:xfrm>
-              <a:off x="5173628" y="3202748"/>
+              <a:off x="5173628" y="3170555"/>
               <a:ext cx="481947" cy="169559"/>
             </a:xfrm>
             <a:prstGeom prst="rect">
@@ -3010,8 +3010,8 @@
           </p:nvSpPr>
           <p:spPr>
             <a:xfrm>
-              <a:off x="6538592" y="1971363"/>
-              <a:ext cx="200965" cy="132065"/>
+              <a:off x="6538592" y="1974097"/>
+              <a:ext cx="200965" cy="129330"/>
             </a:xfrm>
             <a:prstGeom prst="rect">
               <a:avLst/>
@@ -3043,7 +3043,7 @@
                   <a:latin typeface="Arial"/>
                   <a:cs typeface="Arial"/>
                 </a:rPr>
-                <a:t>49</a:t>
+                <a:t>47</a:t>
               </a:r>
             </a:p>
           </p:txBody>
@@ -3089,7 +3089,7 @@
                   <a:latin typeface="Arial"/>
                   <a:cs typeface="Arial"/>
                 </a:rPr>
-                <a:t>(34%)</a:t>
+                <a:t>(33%)</a:t>
               </a:r>
             </a:p>
           </p:txBody>
@@ -3102,8 +3102,8 @@
           </p:nvSpPr>
           <p:spPr>
             <a:xfrm>
-              <a:off x="7763065" y="3844588"/>
-              <a:ext cx="200965" cy="132153"/>
+              <a:off x="7763065" y="3701247"/>
+              <a:ext cx="200965" cy="129860"/>
             </a:xfrm>
             <a:prstGeom prst="rect">
               <a:avLst/>
@@ -3135,7 +3135,7 @@
                   <a:latin typeface="Arial"/>
                   <a:cs typeface="Arial"/>
                 </a:rPr>
-                <a:t>23</a:t>
+                <a:t>24</a:t>
               </a:r>
             </a:p>
           </p:txBody>
@@ -3148,7 +3148,7 @@
           </p:nvSpPr>
           <p:spPr>
             <a:xfrm>
-              <a:off x="7622574" y="4067354"/>
+              <a:off x="7622574" y="3921720"/>
               <a:ext cx="481947" cy="169559"/>
             </a:xfrm>
             <a:prstGeom prst="rect">
@@ -3181,7 +3181,7 @@
                   <a:latin typeface="Arial"/>
                   <a:cs typeface="Arial"/>
                 </a:rPr>
-                <a:t>(16%)</a:t>
+                <a:t>(17%)</a:t>
               </a:r>
             </a:p>
           </p:txBody>
@@ -3280,7 +3280,7 @@
           </p:nvSpPr>
           <p:spPr>
             <a:xfrm>
-              <a:off x="754742" y="4980037"/>
+              <a:off x="754742" y="4957808"/>
               <a:ext cx="169515" cy="111397"/>
             </a:xfrm>
             <a:prstGeom prst="rect">
@@ -3326,7 +3326,7 @@
           </p:nvSpPr>
           <p:spPr>
             <a:xfrm>
-              <a:off x="754742" y="3928099"/>
+              <a:off x="754742" y="3883643"/>
               <a:ext cx="169515" cy="111397"/>
             </a:xfrm>
             <a:prstGeom prst="rect">
@@ -3372,7 +3372,7 @@
           </p:nvSpPr>
           <p:spPr>
             <a:xfrm>
-              <a:off x="754742" y="2876088"/>
+              <a:off x="754742" y="2809403"/>
               <a:ext cx="169515" cy="111472"/>
             </a:xfrm>
             <a:prstGeom prst="rect">
@@ -3418,7 +3418,7 @@
           </p:nvSpPr>
           <p:spPr>
             <a:xfrm>
-              <a:off x="754742" y="1824225"/>
+              <a:off x="754742" y="1735311"/>
               <a:ext cx="169515" cy="111397"/>
             </a:xfrm>
             <a:prstGeom prst="rect">
@@ -3504,7 +3504,7 @@
           </p:nvSpPr>
           <p:spPr>
             <a:xfrm>
-              <a:off x="962215" y="5036889"/>
+              <a:off x="962215" y="5014661"/>
               <a:ext cx="44283" cy="0"/>
             </a:xfrm>
             <a:custGeom>
@@ -3544,7 +3544,7 @@
           </p:nvSpPr>
           <p:spPr>
             <a:xfrm>
-              <a:off x="962215" y="3984952"/>
+              <a:off x="962215" y="3940495"/>
               <a:ext cx="44283" cy="0"/>
             </a:xfrm>
             <a:custGeom>
@@ -3584,7 +3584,7 @@
           </p:nvSpPr>
           <p:spPr>
             <a:xfrm>
-              <a:off x="962215" y="2933014"/>
+              <a:off x="962215" y="2866329"/>
               <a:ext cx="44283" cy="0"/>
             </a:xfrm>
             <a:custGeom>
@@ -3624,7 +3624,7 @@
           </p:nvSpPr>
           <p:spPr>
             <a:xfrm>
-              <a:off x="962215" y="1881077"/>
+              <a:off x="962215" y="1792164"/>
               <a:ext cx="44283" cy="0"/>
             </a:xfrm>
             <a:custGeom>
@@ -4345,7 +4345,7 @@
                   <a:latin typeface="Arial"/>
                   <a:cs typeface="Arial"/>
                 </a:rPr>
-                <a:t>(N=146)</a:t>
+                <a:t>(N=143)</a:t>
               </a:r>
             </a:p>
           </p:txBody>
